--- a/ClassMaterials/UsingObjectsAndAPIs/Slides/Part2-Strings.pptx
+++ b/ClassMaterials/UsingObjectsAndAPIs/Slides/Part2-Strings.pptx
@@ -296,7 +296,7 @@
               <a:pPr>
                 <a:defRPr/>
               </a:pPr>
-              <a:t>12/13/24</a:t>
+              <a:t>3/3/2025</a:t>
             </a:fld>
             <a:endParaRPr lang="en-US"/>
           </a:p>
@@ -531,7 +531,7 @@
               <a:pPr>
                 <a:defRPr/>
               </a:pPr>
-              <a:t>12/13/24</a:t>
+              <a:t>3/3/2025</a:t>
             </a:fld>
             <a:endParaRPr lang="en-US"/>
           </a:p>
@@ -1765,7 +1765,7 @@
               <a:pPr>
                 <a:defRPr/>
               </a:pPr>
-              <a:t>Friday, December 13, 2024</a:t>
+              <a:t>Monday, March 3, 2025</a:t>
             </a:fld>
             <a:endParaRPr lang="en-US"/>
           </a:p>
@@ -1948,7 +1948,7 @@
               <a:pPr>
                 <a:defRPr/>
               </a:pPr>
-              <a:t>Friday, December 13, 2024</a:t>
+              <a:t>Monday, March 3, 2025</a:t>
             </a:fld>
             <a:endParaRPr lang="en-US"/>
           </a:p>
@@ -2141,7 +2141,7 @@
               <a:pPr>
                 <a:defRPr/>
               </a:pPr>
-              <a:t>Friday, December 13, 2024</a:t>
+              <a:t>Monday, March 3, 2025</a:t>
             </a:fld>
             <a:endParaRPr lang="en-US"/>
           </a:p>
@@ -2324,7 +2324,7 @@
               <a:pPr>
                 <a:defRPr/>
               </a:pPr>
-              <a:t>Friday, December 13, 2024</a:t>
+              <a:t>Monday, March 3, 2025</a:t>
             </a:fld>
             <a:endParaRPr lang="en-US"/>
           </a:p>
@@ -2584,7 +2584,7 @@
               <a:pPr>
                 <a:defRPr/>
               </a:pPr>
-              <a:t>Friday, December 13, 2024</a:t>
+              <a:t>Monday, March 3, 2025</a:t>
             </a:fld>
             <a:endParaRPr lang="en-US"/>
           </a:p>
@@ -2884,7 +2884,7 @@
               <a:pPr>
                 <a:defRPr/>
               </a:pPr>
-              <a:t>Friday, December 13, 2024</a:t>
+              <a:t>Monday, March 3, 2025</a:t>
             </a:fld>
             <a:endParaRPr lang="en-US"/>
           </a:p>
@@ -3318,7 +3318,7 @@
               <a:pPr>
                 <a:defRPr/>
               </a:pPr>
-              <a:t>Friday, December 13, 2024</a:t>
+              <a:t>Monday, March 3, 2025</a:t>
             </a:fld>
             <a:endParaRPr lang="en-US"/>
           </a:p>
@@ -3450,7 +3450,7 @@
               <a:pPr>
                 <a:defRPr/>
               </a:pPr>
-              <a:t>Friday, December 13, 2024</a:t>
+              <a:t>Monday, March 3, 2025</a:t>
             </a:fld>
             <a:endParaRPr lang="en-US"/>
           </a:p>
@@ -3560,7 +3560,7 @@
               <a:pPr>
                 <a:defRPr/>
               </a:pPr>
-              <a:t>Friday, December 13, 2024</a:t>
+              <a:t>Monday, March 3, 2025</a:t>
             </a:fld>
             <a:endParaRPr lang="en-US"/>
           </a:p>
@@ -3850,7 +3850,7 @@
               <a:pPr>
                 <a:defRPr/>
               </a:pPr>
-              <a:t>Friday, December 13, 2024</a:t>
+              <a:t>Monday, March 3, 2025</a:t>
             </a:fld>
             <a:endParaRPr lang="en-US"/>
           </a:p>
@@ -4117,7 +4117,7 @@
               <a:pPr>
                 <a:defRPr/>
               </a:pPr>
-              <a:t>Friday, December 13, 2024</a:t>
+              <a:t>Monday, March 3, 2025</a:t>
             </a:fld>
             <a:endParaRPr lang="en-US"/>
           </a:p>
@@ -4343,7 +4343,7 @@
               <a:pPr>
                 <a:defRPr/>
               </a:pPr>
-              <a:t>Friday, December 13, 2024</a:t>
+              <a:t>Monday, March 3, 2025</a:t>
             </a:fld>
             <a:endParaRPr lang="en-US"/>
           </a:p>
@@ -4954,6 +4954,37 @@
             </a:r>
           </a:p>
           <a:p>
+            <a:pPr lvl="0"/>
+            <a:r>
+              <a:rPr lang="en-US" sz="2000" dirty="0"/>
+              <a:t>String </a:t>
+            </a:r>
+            <a:r>
+              <a:rPr lang="en-US" sz="2000" dirty="0" err="1"/>
+              <a:t>combinedString</a:t>
+            </a:r>
+            <a:r>
+              <a:rPr lang="en-US" sz="2000" dirty="0"/>
+              <a:t> = </a:t>
+            </a:r>
+            <a:r>
+              <a:rPr lang="en-US" sz="2000" dirty="0" err="1"/>
+              <a:t>myString</a:t>
+            </a:r>
+            <a:r>
+              <a:rPr lang="en-US" sz="2000" dirty="0"/>
+              <a:t> + “ “ + </a:t>
+            </a:r>
+            <a:r>
+              <a:rPr lang="en-US" sz="2000" dirty="0" err="1"/>
+              <a:t>otherString</a:t>
+            </a:r>
+            <a:r>
+              <a:rPr lang="en-US" sz="2000" dirty="0"/>
+              <a:t> + “!”;</a:t>
+            </a:r>
+          </a:p>
+          <a:p>
             <a:pPr marL="0" indent="0">
               <a:buNone/>
             </a:pPr>
@@ -5524,23 +5555,37 @@
         <p:spPr/>
         <p:txBody>
           <a:bodyPr>
-            <a:normAutofit fontScale="92500" lnSpcReduction="10000"/>
+            <a:normAutofit lnSpcReduction="10000"/>
           </a:bodyPr>
           <a:lstStyle/>
           <a:p>
             <a:r>
               <a:rPr lang="en-US" dirty="0"/>
-              <a:t>Fast rules for now:</a:t>
+              <a:t>Fast rule for now:</a:t>
             </a:r>
           </a:p>
           <a:p>
             <a:r>
               <a:rPr lang="en-US" dirty="0"/>
-              <a:t>Use .equals() for comparing Strings</a:t>
-            </a:r>
-          </a:p>
-          <a:p>
-            <a:pPr lvl="1"/>
+              <a:t>Use </a:t>
+            </a:r>
+            <a:r>
+              <a:rPr lang="en-US" b="1" u="sng" dirty="0">
+                <a:highlight>
+                  <a:srgbClr val="FFFF00"/>
+                </a:highlight>
+              </a:rPr>
+              <a:t>.equals() </a:t>
+            </a:r>
+            <a:r>
+              <a:rPr lang="en-US" dirty="0"/>
+              <a:t>for comparing Strings</a:t>
+            </a:r>
+          </a:p>
+          <a:p>
+            <a:pPr marL="457200" lvl="1" indent="0">
+              <a:buNone/>
+            </a:pPr>
             <a:r>
               <a:rPr lang="en-US" dirty="0"/>
               <a:t>String alpha = “</a:t>
@@ -5555,7 +5600,9 @@
             </a:r>
           </a:p>
           <a:p>
-            <a:pPr lvl="1"/>
+            <a:pPr marL="457200" lvl="1" indent="0">
+              <a:buNone/>
+            </a:pPr>
             <a:r>
               <a:rPr lang="en-US" dirty="0"/>
               <a:t>if (</a:t>
@@ -5578,7 +5625,9 @@
             </a:r>
           </a:p>
           <a:p>
-            <a:pPr lvl="1"/>
+            <a:pPr marL="457200" lvl="1" indent="0">
+              <a:buNone/>
+            </a:pPr>
             <a:r>
               <a:rPr lang="en-US" dirty="0"/>
               <a:t>	</a:t>
@@ -5593,19 +5642,31 @@
             </a:r>
           </a:p>
           <a:p>
-            <a:pPr lvl="1"/>
+            <a:pPr marL="457200" lvl="1" indent="0">
+              <a:buNone/>
+            </a:pPr>
             <a:r>
               <a:rPr lang="en-US" dirty="0"/>
-              <a:t>} // end if</a:t>
-            </a:r>
-          </a:p>
-          <a:p>
+              <a:t>} </a:t>
+            </a:r>
+          </a:p>
+          <a:p>
+            <a:pPr marL="457200" lvl="1" indent="0">
+              <a:buNone/>
+            </a:pPr>
             <a:r>
               <a:rPr lang="en-US" dirty="0"/>
-              <a:t>Use == comparing numbers or char (primitives)</a:t>
-            </a:r>
-          </a:p>
-          <a:p>
+              <a:t>Use == for comparing for primitives</a:t>
+            </a:r>
+          </a:p>
+          <a:p>
+            <a:pPr marL="457200" lvl="1" indent="0">
+              <a:buNone/>
+            </a:pPr>
+            <a:r>
+              <a:rPr lang="en-US" dirty="0"/>
+              <a:t>	</a:t>
+            </a:r>
             <a:r>
               <a:rPr lang="en-US" dirty="0" err="1"/>
               <a:t>boolean</a:t>
@@ -5616,6 +5677,13 @@
             </a:r>
           </a:p>
           <a:p>
+            <a:pPr marL="457200" lvl="1" indent="0">
+              <a:buNone/>
+            </a:pPr>
+            <a:r>
+              <a:rPr lang="en-US" dirty="0"/>
+              <a:t>	</a:t>
+            </a:r>
             <a:r>
               <a:rPr lang="en-US" dirty="0" err="1"/>
               <a:t>boolean</a:t>
@@ -6709,12 +6777,6 @@
 </file>
 
 <file path=customXml/item1.xml><?xml version="1.0" encoding="utf-8"?>
-<p:properties xmlns:p="http://schemas.microsoft.com/office/2006/metadata/properties" xmlns:xsi="http://www.w3.org/2001/XMLSchema-instance" xmlns:pc="http://schemas.microsoft.com/office/infopath/2007/PartnerControls">
-  <documentManagement/>
-</p:properties>
-</file>
-
-<file path=customXml/item2.xml><?xml version="1.0" encoding="utf-8"?>
 <?mso-contentType ?>
 <FormTemplates xmlns="http://schemas.microsoft.com/sharepoint/v3/contenttype/forms">
   <Display>DocumentLibraryForm</Display>
@@ -6723,7 +6785,7 @@
 </FormTemplates>
 </file>
 
-<file path=customXml/item3.xml><?xml version="1.0" encoding="utf-8"?>
+<file path=customXml/item2.xml><?xml version="1.0" encoding="utf-8"?>
 <ct:contentTypeSchema xmlns:ct="http://schemas.microsoft.com/office/2006/metadata/contentType" xmlns:ma="http://schemas.microsoft.com/office/2006/metadata/properties/metaAttributes" ct:_="" ma:_="" ma:contentTypeName="Document" ma:contentTypeID="0x0101004285D81DBE5F5A448E892B34D6B8CF20" ma:contentTypeVersion="2" ma:contentTypeDescription="Create a new document." ma:contentTypeScope="" ma:versionID="026ccaf10de5d9915dfa48c6db16b59b">
   <xsd:schema xmlns:xsd="http://www.w3.org/2001/XMLSchema" xmlns:xs="http://www.w3.org/2001/XMLSchema" xmlns:p="http://schemas.microsoft.com/office/2006/metadata/properties" xmlns:ns2="08600313-7276-4ca7-b5d3-7d86193ee0ac" targetNamespace="http://schemas.microsoft.com/office/2006/metadata/properties" ma:root="true" ma:fieldsID="c887e4ee215f388544e22a2030d7ea35" ns2:_="">
     <xsd:import namespace="08600313-7276-4ca7-b5d3-7d86193ee0ac"/>
@@ -6855,23 +6917,13 @@
 </ct:contentTypeSchema>
 </file>
 
-<file path=customXml/itemProps1.xml><?xml version="1.0" encoding="utf-8"?>
-<ds:datastoreItem xmlns:ds="http://schemas.openxmlformats.org/officeDocument/2006/customXml" ds:itemID="{F4E211C1-CD9D-46C8-BE98-ADF55AECFF6A}">
-  <ds:schemaRefs>
-    <ds:schemaRef ds:uri="79ddb764-415a-4c38-83b7-908be6382bea"/>
-    <ds:schemaRef ds:uri="http://purl.org/dc/dcmitype/"/>
-    <ds:schemaRef ds:uri="http://purl.org/dc/elements/1.1/"/>
-    <ds:schemaRef ds:uri="http://purl.org/dc/terms/"/>
-    <ds:schemaRef ds:uri="http://schemas.microsoft.com/office/2006/documentManagement/types"/>
-    <ds:schemaRef ds:uri="http://schemas.microsoft.com/office/2006/metadata/properties"/>
-    <ds:schemaRef ds:uri="http://schemas.microsoft.com/office/infopath/2007/PartnerControls"/>
-    <ds:schemaRef ds:uri="http://schemas.openxmlformats.org/package/2006/metadata/core-properties"/>
-    <ds:schemaRef ds:uri="http://www.w3.org/XML/1998/namespace"/>
-  </ds:schemaRefs>
-</ds:datastoreItem>
+<file path=customXml/item3.xml><?xml version="1.0" encoding="utf-8"?>
+<p:properties xmlns:p="http://schemas.microsoft.com/office/2006/metadata/properties" xmlns:xsi="http://www.w3.org/2001/XMLSchema-instance" xmlns:pc="http://schemas.microsoft.com/office/infopath/2007/PartnerControls">
+  <documentManagement/>
+</p:properties>
 </file>
 
-<file path=customXml/itemProps2.xml><?xml version="1.0" encoding="utf-8"?>
+<file path=customXml/itemProps1.xml><?xml version="1.0" encoding="utf-8"?>
 <ds:datastoreItem xmlns:ds="http://schemas.openxmlformats.org/officeDocument/2006/customXml" ds:itemID="{17FAF4A3-64B4-43E8-BB8B-B01EB9ECAC06}">
   <ds:schemaRefs>
     <ds:schemaRef ds:uri="http://schemas.microsoft.com/sharepoint/v3/contenttype/forms"/>
@@ -6879,7 +6931,7 @@
 </ds:datastoreItem>
 </file>
 
-<file path=customXml/itemProps3.xml><?xml version="1.0" encoding="utf-8"?>
+<file path=customXml/itemProps2.xml><?xml version="1.0" encoding="utf-8"?>
 <ds:datastoreItem xmlns:ds="http://schemas.openxmlformats.org/officeDocument/2006/customXml" ds:itemID="{FB830662-5179-45C5-B8BB-41FD5024BBF4}">
   <ds:schemaRefs>
     <ds:schemaRef ds:uri="http://schemas.microsoft.com/office/2006/metadata/contentType"/>
@@ -6895,4 +6947,20 @@
     <ds:schemaRef ds:uri="http://schemas.microsoft.com/internal/obd"/>
   </ds:schemaRefs>
 </ds:datastoreItem>
+</file>
+
+<file path=customXml/itemProps3.xml><?xml version="1.0" encoding="utf-8"?>
+<ds:datastoreItem xmlns:ds="http://schemas.openxmlformats.org/officeDocument/2006/customXml" ds:itemID="{F4E211C1-CD9D-46C8-BE98-ADF55AECFF6A}">
+  <ds:schemaRefs>
+    <ds:schemaRef ds:uri="79ddb764-415a-4c38-83b7-908be6382bea"/>
+    <ds:schemaRef ds:uri="http://purl.org/dc/dcmitype/"/>
+    <ds:schemaRef ds:uri="http://purl.org/dc/elements/1.1/"/>
+    <ds:schemaRef ds:uri="http://purl.org/dc/terms/"/>
+    <ds:schemaRef ds:uri="http://schemas.microsoft.com/office/2006/documentManagement/types"/>
+    <ds:schemaRef ds:uri="http://schemas.microsoft.com/office/2006/metadata/properties"/>
+    <ds:schemaRef ds:uri="http://schemas.microsoft.com/office/infopath/2007/PartnerControls"/>
+    <ds:schemaRef ds:uri="http://schemas.openxmlformats.org/package/2006/metadata/core-properties"/>
+    <ds:schemaRef ds:uri="http://www.w3.org/XML/1998/namespace"/>
+  </ds:schemaRefs>
+</ds:datastoreItem>
 </file>
--- a/ClassMaterials/UsingObjectsAndAPIs/Slides/Part2-Strings.pptx
+++ b/ClassMaterials/UsingObjectsAndAPIs/Slides/Part2-Strings.pptx
@@ -5211,7 +5211,7 @@
           </a:ln>
           <a:extLst>
             <a:ext uri="{C572A759-6A51-4108-AA02-DFA0A04FC94B}">
-              <ma14:wrappingTextBoxFlag xmlns:ma14="http://schemas.microsoft.com/office/mac/drawingml/2011/main" xmlns="" val="1"/>
+              <ma14:wrappingTextBoxFlag xmlns="" xmlns:ma14="http://schemas.microsoft.com/office/mac/drawingml/2011/main" val="1"/>
             </a:ext>
           </a:extLst>
         </p:spPr>
@@ -5323,7 +5323,7 @@
           </a:ln>
           <a:extLst>
             <a:ext uri="{C572A759-6A51-4108-AA02-DFA0A04FC94B}">
-              <ma14:wrappingTextBoxFlag xmlns:ma14="http://schemas.microsoft.com/office/mac/drawingml/2011/main" xmlns="" val="1"/>
+              <ma14:wrappingTextBoxFlag xmlns="" xmlns:ma14="http://schemas.microsoft.com/office/mac/drawingml/2011/main" val="1"/>
             </a:ext>
           </a:extLst>
         </p:spPr>
@@ -6777,15 +6777,6 @@
 </file>
 
 <file path=customXml/item1.xml><?xml version="1.0" encoding="utf-8"?>
-<?mso-contentType ?>
-<FormTemplates xmlns="http://schemas.microsoft.com/sharepoint/v3/contenttype/forms">
-  <Display>DocumentLibraryForm</Display>
-  <Edit>DocumentLibraryForm</Edit>
-  <New>DocumentLibraryForm</New>
-</FormTemplates>
-</file>
-
-<file path=customXml/item2.xml><?xml version="1.0" encoding="utf-8"?>
 <ct:contentTypeSchema xmlns:ct="http://schemas.microsoft.com/office/2006/metadata/contentType" xmlns:ma="http://schemas.microsoft.com/office/2006/metadata/properties/metaAttributes" ct:_="" ma:_="" ma:contentTypeName="Document" ma:contentTypeID="0x0101004285D81DBE5F5A448E892B34D6B8CF20" ma:contentTypeVersion="2" ma:contentTypeDescription="Create a new document." ma:contentTypeScope="" ma:versionID="026ccaf10de5d9915dfa48c6db16b59b">
   <xsd:schema xmlns:xsd="http://www.w3.org/2001/XMLSchema" xmlns:xs="http://www.w3.org/2001/XMLSchema" xmlns:p="http://schemas.microsoft.com/office/2006/metadata/properties" xmlns:ns2="08600313-7276-4ca7-b5d3-7d86193ee0ac" targetNamespace="http://schemas.microsoft.com/office/2006/metadata/properties" ma:root="true" ma:fieldsID="c887e4ee215f388544e22a2030d7ea35" ns2:_="">
     <xsd:import namespace="08600313-7276-4ca7-b5d3-7d86193ee0ac"/>
@@ -6917,6 +6908,15 @@
 </ct:contentTypeSchema>
 </file>
 
+<file path=customXml/item2.xml><?xml version="1.0" encoding="utf-8"?>
+<?mso-contentType ?>
+<FormTemplates xmlns="http://schemas.microsoft.com/sharepoint/v3/contenttype/forms">
+  <Display>DocumentLibraryForm</Display>
+  <Edit>DocumentLibraryForm</Edit>
+  <New>DocumentLibraryForm</New>
+</FormTemplates>
+</file>
+
 <file path=customXml/item3.xml><?xml version="1.0" encoding="utf-8"?>
 <p:properties xmlns:p="http://schemas.microsoft.com/office/2006/metadata/properties" xmlns:xsi="http://www.w3.org/2001/XMLSchema-instance" xmlns:pc="http://schemas.microsoft.com/office/infopath/2007/PartnerControls">
   <documentManagement/>
@@ -6924,14 +6924,6 @@
 </file>
 
 <file path=customXml/itemProps1.xml><?xml version="1.0" encoding="utf-8"?>
-<ds:datastoreItem xmlns:ds="http://schemas.openxmlformats.org/officeDocument/2006/customXml" ds:itemID="{17FAF4A3-64B4-43E8-BB8B-B01EB9ECAC06}">
-  <ds:schemaRefs>
-    <ds:schemaRef ds:uri="http://schemas.microsoft.com/sharepoint/v3/contenttype/forms"/>
-  </ds:schemaRefs>
-</ds:datastoreItem>
-</file>
-
-<file path=customXml/itemProps2.xml><?xml version="1.0" encoding="utf-8"?>
 <ds:datastoreItem xmlns:ds="http://schemas.openxmlformats.org/officeDocument/2006/customXml" ds:itemID="{FB830662-5179-45C5-B8BB-41FD5024BBF4}">
   <ds:schemaRefs>
     <ds:schemaRef ds:uri="http://schemas.microsoft.com/office/2006/metadata/contentType"/>
@@ -6945,6 +6937,14 @@
     <ds:schemaRef ds:uri="http://purl.org/dc/elements/1.1/"/>
     <ds:schemaRef ds:uri="http://purl.org/dc/terms/"/>
     <ds:schemaRef ds:uri="http://schemas.microsoft.com/internal/obd"/>
+  </ds:schemaRefs>
+</ds:datastoreItem>
+</file>
+
+<file path=customXml/itemProps2.xml><?xml version="1.0" encoding="utf-8"?>
+<ds:datastoreItem xmlns:ds="http://schemas.openxmlformats.org/officeDocument/2006/customXml" ds:itemID="{17FAF4A3-64B4-43E8-BB8B-B01EB9ECAC06}">
+  <ds:schemaRefs>
+    <ds:schemaRef ds:uri="http://schemas.microsoft.com/sharepoint/v3/contenttype/forms"/>
   </ds:schemaRefs>
 </ds:datastoreItem>
 </file>

--- a/ClassMaterials/UsingObjectsAndAPIs/Slides/Part2-Strings.pptx
+++ b/ClassMaterials/UsingObjectsAndAPIs/Slides/Part2-Strings.pptx
@@ -14,8 +14,8 @@
     <p:sldId id="259" r:id="rId5"/>
     <p:sldId id="261" r:id="rId6"/>
     <p:sldId id="343" r:id="rId7"/>
-    <p:sldId id="342" r:id="rId8"/>
-    <p:sldId id="344" r:id="rId9"/>
+    <p:sldId id="344" r:id="rId8"/>
+    <p:sldId id="342" r:id="rId9"/>
     <p:sldId id="345" r:id="rId10"/>
   </p:sldIdLst>
   <p:sldSz cx="9144000" cy="6858000" type="screen4x3"/>
@@ -296,7 +296,7 @@
               <a:pPr>
                 <a:defRPr/>
               </a:pPr>
-              <a:t>3/3/2025</a:t>
+              <a:t>3/13/2025</a:t>
             </a:fld>
             <a:endParaRPr lang="en-US"/>
           </a:p>
@@ -531,7 +531,7 @@
               <a:pPr>
                 <a:defRPr/>
               </a:pPr>
-              <a:t>3/3/2025</a:t>
+              <a:t>3/13/2025</a:t>
             </a:fld>
             <a:endParaRPr lang="en-US"/>
           </a:p>
@@ -1305,7 +1305,7 @@
       </p:grpSpPr>
       <p:sp>
         <p:nvSpPr>
-          <p:cNvPr id="2" name="Slide Image Placeholder 1"/>
+          <p:cNvPr id="84" name="Shape 84"/>
           <p:cNvSpPr>
             <a:spLocks noGrp="1" noRot="1" noChangeAspect="1"/>
           </p:cNvSpPr>
@@ -1313,39 +1313,104 @@
             <p:ph type="sldImg"/>
           </p:nvPr>
         </p:nvSpPr>
-        <p:spPr/>
-      </p:sp>
-      <p:sp>
-        <p:nvSpPr>
-          <p:cNvPr id="3" name="Notes Placeholder 2"/>
-          <p:cNvSpPr>
-            <a:spLocks noGrp="1"/>
-          </p:cNvSpPr>
-          <p:nvPr>
-            <p:ph type="body" idx="1"/>
-          </p:nvPr>
-        </p:nvSpPr>
-        <p:spPr/>
+        <p:spPr>
+          <a:prstGeom prst="rect">
+            <a:avLst/>
+          </a:prstGeom>
+        </p:spPr>
         <p:txBody>
           <a:bodyPr/>
           <a:lstStyle/>
           <a:p>
-            <a:r>
-              <a:rPr lang="en-US" dirty="0"/>
-              <a:t>Can decide to say this for next class</a:t>
-            </a:r>
-            <a:r>
-              <a:rPr lang="en-US" baseline="0" dirty="0"/>
-              <a:t> or mention it now at least…</a:t>
-            </a:r>
-            <a:endParaRPr lang="en-US" dirty="0"/>
+            <a:pPr lvl="0"/>
+            <a:endParaRPr/>
+          </a:p>
+        </p:txBody>
+      </p:sp>
+      <p:sp>
+        <p:nvSpPr>
+          <p:cNvPr id="85" name="Shape 85"/>
+          <p:cNvSpPr>
+            <a:spLocks noGrp="1"/>
+          </p:cNvSpPr>
+          <p:nvPr>
+            <p:ph type="body" sz="quarter" idx="1"/>
+          </p:nvPr>
+        </p:nvSpPr>
+        <p:spPr>
+          <a:prstGeom prst="rect">
+            <a:avLst/>
+          </a:prstGeom>
+        </p:spPr>
+        <p:txBody>
+          <a:bodyPr/>
+          <a:lstStyle/>
+          <a:p>
+            <a:pPr lvl="0" defTabSz="914400">
+              <a:lnSpc>
+                <a:spcPct val="100000"/>
+              </a:lnSpc>
+              <a:spcBef>
+                <a:spcPts val="400"/>
+              </a:spcBef>
+              <a:defRPr sz="1800"/>
+            </a:pPr>
+            <a:r>
+              <a:rPr sz="1200">
+                <a:latin typeface="Calibri"/>
+                <a:ea typeface="Calibri"/>
+                <a:cs typeface="Calibri"/>
+                <a:sym typeface="Calibri"/>
+              </a:rPr>
+              <a:t>Point students to the link in the homework if everyone does not have the docs setup.</a:t>
+            </a:r>
+          </a:p>
+          <a:p>
+            <a:pPr lvl="0" defTabSz="914400">
+              <a:lnSpc>
+                <a:spcPct val="100000"/>
+              </a:lnSpc>
+              <a:spcBef>
+                <a:spcPts val="400"/>
+              </a:spcBef>
+              <a:defRPr sz="1800"/>
+            </a:pPr>
+            <a:r>
+              <a:rPr sz="1200">
+                <a:latin typeface="Calibri"/>
+                <a:ea typeface="Calibri"/>
+                <a:cs typeface="Calibri"/>
+                <a:sym typeface="Calibri"/>
+              </a:rPr>
+              <a:t>Demo hover text, F2 to focus on hover text, icon to open in web browser.</a:t>
+            </a:r>
+          </a:p>
+          <a:p>
+            <a:pPr lvl="0" defTabSz="914400">
+              <a:lnSpc>
+                <a:spcPct val="100000"/>
+              </a:lnSpc>
+              <a:spcBef>
+                <a:spcPts val="400"/>
+              </a:spcBef>
+              <a:defRPr sz="1800"/>
+            </a:pPr>
+            <a:r>
+              <a:rPr sz="1200">
+                <a:latin typeface="Calibri"/>
+                <a:ea typeface="Calibri"/>
+                <a:cs typeface="Calibri"/>
+                <a:sym typeface="Calibri"/>
+              </a:rPr>
+              <a:t>Shift-F2 to open external browser immediately.</a:t>
+            </a:r>
           </a:p>
         </p:txBody>
       </p:sp>
     </p:spTree>
     <p:extLst>
       <p:ext uri="{BB962C8B-B14F-4D97-AF65-F5344CB8AC3E}">
-        <p14:creationId xmlns:p14="http://schemas.microsoft.com/office/powerpoint/2010/main" val="1609906805"/>
+        <p14:creationId xmlns:p14="http://schemas.microsoft.com/office/powerpoint/2010/main" val="2352995128"/>
       </p:ext>
     </p:extLst>
   </p:cSld>
@@ -1374,7 +1439,7 @@
       </p:grpSpPr>
       <p:sp>
         <p:nvSpPr>
-          <p:cNvPr id="84" name="Shape 84"/>
+          <p:cNvPr id="2" name="Slide Image Placeholder 1"/>
           <p:cNvSpPr>
             <a:spLocks noGrp="1" noRot="1" noChangeAspect="1"/>
           </p:cNvSpPr>
@@ -1382,104 +1447,39 @@
             <p:ph type="sldImg"/>
           </p:nvPr>
         </p:nvSpPr>
-        <p:spPr>
-          <a:prstGeom prst="rect">
-            <a:avLst/>
-          </a:prstGeom>
-        </p:spPr>
+        <p:spPr/>
+      </p:sp>
+      <p:sp>
+        <p:nvSpPr>
+          <p:cNvPr id="3" name="Notes Placeholder 2"/>
+          <p:cNvSpPr>
+            <a:spLocks noGrp="1"/>
+          </p:cNvSpPr>
+          <p:nvPr>
+            <p:ph type="body" idx="1"/>
+          </p:nvPr>
+        </p:nvSpPr>
+        <p:spPr/>
         <p:txBody>
           <a:bodyPr/>
           <a:lstStyle/>
           <a:p>
-            <a:pPr lvl="0"/>
-            <a:endParaRPr/>
-          </a:p>
-        </p:txBody>
-      </p:sp>
-      <p:sp>
-        <p:nvSpPr>
-          <p:cNvPr id="85" name="Shape 85"/>
-          <p:cNvSpPr>
-            <a:spLocks noGrp="1"/>
-          </p:cNvSpPr>
-          <p:nvPr>
-            <p:ph type="body" sz="quarter" idx="1"/>
-          </p:nvPr>
-        </p:nvSpPr>
-        <p:spPr>
-          <a:prstGeom prst="rect">
-            <a:avLst/>
-          </a:prstGeom>
-        </p:spPr>
-        <p:txBody>
-          <a:bodyPr/>
-          <a:lstStyle/>
-          <a:p>
-            <a:pPr lvl="0" defTabSz="914400">
-              <a:lnSpc>
-                <a:spcPct val="100000"/>
-              </a:lnSpc>
-              <a:spcBef>
-                <a:spcPts val="400"/>
-              </a:spcBef>
-              <a:defRPr sz="1800"/>
-            </a:pPr>
-            <a:r>
-              <a:rPr sz="1200">
-                <a:latin typeface="Calibri"/>
-                <a:ea typeface="Calibri"/>
-                <a:cs typeface="Calibri"/>
-                <a:sym typeface="Calibri"/>
-              </a:rPr>
-              <a:t>Point students to the link in the homework if everyone does not have the docs setup.</a:t>
-            </a:r>
-          </a:p>
-          <a:p>
-            <a:pPr lvl="0" defTabSz="914400">
-              <a:lnSpc>
-                <a:spcPct val="100000"/>
-              </a:lnSpc>
-              <a:spcBef>
-                <a:spcPts val="400"/>
-              </a:spcBef>
-              <a:defRPr sz="1800"/>
-            </a:pPr>
-            <a:r>
-              <a:rPr sz="1200">
-                <a:latin typeface="Calibri"/>
-                <a:ea typeface="Calibri"/>
-                <a:cs typeface="Calibri"/>
-                <a:sym typeface="Calibri"/>
-              </a:rPr>
-              <a:t>Demo hover text, F2 to focus on hover text, icon to open in web browser.</a:t>
-            </a:r>
-          </a:p>
-          <a:p>
-            <a:pPr lvl="0" defTabSz="914400">
-              <a:lnSpc>
-                <a:spcPct val="100000"/>
-              </a:lnSpc>
-              <a:spcBef>
-                <a:spcPts val="400"/>
-              </a:spcBef>
-              <a:defRPr sz="1800"/>
-            </a:pPr>
-            <a:r>
-              <a:rPr sz="1200">
-                <a:latin typeface="Calibri"/>
-                <a:ea typeface="Calibri"/>
-                <a:cs typeface="Calibri"/>
-                <a:sym typeface="Calibri"/>
-              </a:rPr>
-              <a:t>Shift-F2 to open external browser immediately.</a:t>
-            </a:r>
+            <a:r>
+              <a:rPr lang="en-US" dirty="0"/>
+              <a:t>Can decide to say this for next class</a:t>
+            </a:r>
+            <a:r>
+              <a:rPr lang="en-US" baseline="0" dirty="0"/>
+              <a:t> or mention it now at least…</a:t>
+            </a:r>
+            <a:endParaRPr lang="en-US" dirty="0"/>
           </a:p>
         </p:txBody>
       </p:sp>
     </p:spTree>
     <p:extLst>
       <p:ext uri="{BB962C8B-B14F-4D97-AF65-F5344CB8AC3E}">
-        <p14:creationId xmlns:p14="http://schemas.microsoft.com/office/powerpoint/2010/main" val="2352995128"/>
+        <p14:creationId xmlns:p14="http://schemas.microsoft.com/office/powerpoint/2010/main" val="1609906805"/>
       </p:ext>
     </p:extLst>
   </p:cSld>
@@ -1765,7 +1765,7 @@
               <a:pPr>
                 <a:defRPr/>
               </a:pPr>
-              <a:t>Monday, March 3, 2025</a:t>
+              <a:t>Thursday, March 13, 2025</a:t>
             </a:fld>
             <a:endParaRPr lang="en-US"/>
           </a:p>
@@ -1948,7 +1948,7 @@
               <a:pPr>
                 <a:defRPr/>
               </a:pPr>
-              <a:t>Monday, March 3, 2025</a:t>
+              <a:t>Thursday, March 13, 2025</a:t>
             </a:fld>
             <a:endParaRPr lang="en-US"/>
           </a:p>
@@ -2141,7 +2141,7 @@
               <a:pPr>
                 <a:defRPr/>
               </a:pPr>
-              <a:t>Monday, March 3, 2025</a:t>
+              <a:t>Thursday, March 13, 2025</a:t>
             </a:fld>
             <a:endParaRPr lang="en-US"/>
           </a:p>
@@ -2324,7 +2324,7 @@
               <a:pPr>
                 <a:defRPr/>
               </a:pPr>
-              <a:t>Monday, March 3, 2025</a:t>
+              <a:t>Thursday, March 13, 2025</a:t>
             </a:fld>
             <a:endParaRPr lang="en-US"/>
           </a:p>
@@ -2584,7 +2584,7 @@
               <a:pPr>
                 <a:defRPr/>
               </a:pPr>
-              <a:t>Monday, March 3, 2025</a:t>
+              <a:t>Thursday, March 13, 2025</a:t>
             </a:fld>
             <a:endParaRPr lang="en-US"/>
           </a:p>
@@ -2884,7 +2884,7 @@
               <a:pPr>
                 <a:defRPr/>
               </a:pPr>
-              <a:t>Monday, March 3, 2025</a:t>
+              <a:t>Thursday, March 13, 2025</a:t>
             </a:fld>
             <a:endParaRPr lang="en-US"/>
           </a:p>
@@ -3318,7 +3318,7 @@
               <a:pPr>
                 <a:defRPr/>
               </a:pPr>
-              <a:t>Monday, March 3, 2025</a:t>
+              <a:t>Thursday, March 13, 2025</a:t>
             </a:fld>
             <a:endParaRPr lang="en-US"/>
           </a:p>
@@ -3450,7 +3450,7 @@
               <a:pPr>
                 <a:defRPr/>
               </a:pPr>
-              <a:t>Monday, March 3, 2025</a:t>
+              <a:t>Thursday, March 13, 2025</a:t>
             </a:fld>
             <a:endParaRPr lang="en-US"/>
           </a:p>
@@ -3560,7 +3560,7 @@
               <a:pPr>
                 <a:defRPr/>
               </a:pPr>
-              <a:t>Monday, March 3, 2025</a:t>
+              <a:t>Thursday, March 13, 2025</a:t>
             </a:fld>
             <a:endParaRPr lang="en-US"/>
           </a:p>
@@ -3850,7 +3850,7 @@
               <a:pPr>
                 <a:defRPr/>
               </a:pPr>
-              <a:t>Monday, March 3, 2025</a:t>
+              <a:t>Thursday, March 13, 2025</a:t>
             </a:fld>
             <a:endParaRPr lang="en-US"/>
           </a:p>
@@ -4117,7 +4117,7 @@
               <a:pPr>
                 <a:defRPr/>
               </a:pPr>
-              <a:t>Monday, March 3, 2025</a:t>
+              <a:t>Thursday, March 13, 2025</a:t>
             </a:fld>
             <a:endParaRPr lang="en-US"/>
           </a:p>
@@ -4343,7 +4343,7 @@
               <a:pPr>
                 <a:defRPr/>
               </a:pPr>
-              <a:t>Monday, March 3, 2025</a:t>
+              <a:t>Thursday, March 13, 2025</a:t>
             </a:fld>
             <a:endParaRPr lang="en-US"/>
           </a:p>
@@ -5211,7 +5211,7 @@
           </a:ln>
           <a:extLst>
             <a:ext uri="{C572A759-6A51-4108-AA02-DFA0A04FC94B}">
-              <ma14:wrappingTextBoxFlag xmlns="" xmlns:ma14="http://schemas.microsoft.com/office/mac/drawingml/2011/main" val="1"/>
+              <ma14:wrappingTextBoxFlag xmlns:ma14="http://schemas.microsoft.com/office/mac/drawingml/2011/main" xmlns="" val="1"/>
             </a:ext>
           </a:extLst>
         </p:spPr>
@@ -5323,7 +5323,7 @@
           </a:ln>
           <a:extLst>
             <a:ext uri="{C572A759-6A51-4108-AA02-DFA0A04FC94B}">
-              <ma14:wrappingTextBoxFlag xmlns="" xmlns:ma14="http://schemas.microsoft.com/office/mac/drawingml/2011/main" val="1"/>
+              <ma14:wrappingTextBoxFlag xmlns:ma14="http://schemas.microsoft.com/office/mac/drawingml/2011/main" xmlns="" val="1"/>
             </a:ext>
           </a:extLst>
         </p:spPr>
@@ -5522,217 +5522,6 @@
       </p:grpSpPr>
       <p:sp>
         <p:nvSpPr>
-          <p:cNvPr id="2" name="Title 1"/>
-          <p:cNvSpPr>
-            <a:spLocks noGrp="1"/>
-          </p:cNvSpPr>
-          <p:nvPr>
-            <p:ph type="title"/>
-          </p:nvPr>
-        </p:nvSpPr>
-        <p:spPr/>
-        <p:txBody>
-          <a:bodyPr/>
-          <a:lstStyle/>
-          <a:p>
-            <a:r>
-              <a:rPr lang="en-US" dirty="0"/>
-              <a:t>Quick Rule for Comparisons</a:t>
-            </a:r>
-          </a:p>
-        </p:txBody>
-      </p:sp>
-      <p:sp>
-        <p:nvSpPr>
-          <p:cNvPr id="3" name="Text Placeholder 2"/>
-          <p:cNvSpPr>
-            <a:spLocks noGrp="1"/>
-          </p:cNvSpPr>
-          <p:nvPr>
-            <p:ph type="body" idx="1"/>
-          </p:nvPr>
-        </p:nvSpPr>
-        <p:spPr/>
-        <p:txBody>
-          <a:bodyPr>
-            <a:normAutofit lnSpcReduction="10000"/>
-          </a:bodyPr>
-          <a:lstStyle/>
-          <a:p>
-            <a:r>
-              <a:rPr lang="en-US" dirty="0"/>
-              <a:t>Fast rule for now:</a:t>
-            </a:r>
-          </a:p>
-          <a:p>
-            <a:r>
-              <a:rPr lang="en-US" dirty="0"/>
-              <a:t>Use </a:t>
-            </a:r>
-            <a:r>
-              <a:rPr lang="en-US" b="1" u="sng" dirty="0">
-                <a:highlight>
-                  <a:srgbClr val="FFFF00"/>
-                </a:highlight>
-              </a:rPr>
-              <a:t>.equals() </a:t>
-            </a:r>
-            <a:r>
-              <a:rPr lang="en-US" dirty="0"/>
-              <a:t>for comparing Strings</a:t>
-            </a:r>
-          </a:p>
-          <a:p>
-            <a:pPr marL="457200" lvl="1" indent="0">
-              <a:buNone/>
-            </a:pPr>
-            <a:r>
-              <a:rPr lang="en-US" dirty="0"/>
-              <a:t>String alpha = “</a:t>
-            </a:r>
-            <a:r>
-              <a:rPr lang="en-US" dirty="0" err="1"/>
-              <a:t>aaa</a:t>
-            </a:r>
-            <a:r>
-              <a:rPr lang="en-US" dirty="0"/>
-              <a:t>”;</a:t>
-            </a:r>
-          </a:p>
-          <a:p>
-            <a:pPr marL="457200" lvl="1" indent="0">
-              <a:buNone/>
-            </a:pPr>
-            <a:r>
-              <a:rPr lang="en-US" dirty="0"/>
-              <a:t>if (</a:t>
-            </a:r>
-            <a:r>
-              <a:rPr lang="en-US" dirty="0" err="1"/>
-              <a:t>alpha.equals</a:t>
-            </a:r>
-            <a:r>
-              <a:rPr lang="en-US" dirty="0"/>
-              <a:t>(“</a:t>
-            </a:r>
-            <a:r>
-              <a:rPr lang="en-US" dirty="0" err="1"/>
-              <a:t>bbb</a:t>
-            </a:r>
-            <a:r>
-              <a:rPr lang="en-US" dirty="0"/>
-              <a:t>”) {</a:t>
-            </a:r>
-          </a:p>
-          <a:p>
-            <a:pPr marL="457200" lvl="1" indent="0">
-              <a:buNone/>
-            </a:pPr>
-            <a:r>
-              <a:rPr lang="en-US" dirty="0"/>
-              <a:t>	</a:t>
-            </a:r>
-            <a:r>
-              <a:rPr lang="en-US" dirty="0" err="1"/>
-              <a:t>System.out.println</a:t>
-            </a:r>
-            <a:r>
-              <a:rPr lang="en-US" dirty="0"/>
-              <a:t>(“Yes!”)</a:t>
-            </a:r>
-          </a:p>
-          <a:p>
-            <a:pPr marL="457200" lvl="1" indent="0">
-              <a:buNone/>
-            </a:pPr>
-            <a:r>
-              <a:rPr lang="en-US" dirty="0"/>
-              <a:t>} </a:t>
-            </a:r>
-          </a:p>
-          <a:p>
-            <a:pPr marL="457200" lvl="1" indent="0">
-              <a:buNone/>
-            </a:pPr>
-            <a:r>
-              <a:rPr lang="en-US" dirty="0"/>
-              <a:t>Use == for comparing for primitives</a:t>
-            </a:r>
-          </a:p>
-          <a:p>
-            <a:pPr marL="457200" lvl="1" indent="0">
-              <a:buNone/>
-            </a:pPr>
-            <a:r>
-              <a:rPr lang="en-US" dirty="0"/>
-              <a:t>	</a:t>
-            </a:r>
-            <a:r>
-              <a:rPr lang="en-US" dirty="0" err="1"/>
-              <a:t>boolean</a:t>
-            </a:r>
-            <a:r>
-              <a:rPr lang="en-US" dirty="0"/>
-              <a:t> a = (5 == 6);</a:t>
-            </a:r>
-          </a:p>
-          <a:p>
-            <a:pPr marL="457200" lvl="1" indent="0">
-              <a:buNone/>
-            </a:pPr>
-            <a:r>
-              <a:rPr lang="en-US" dirty="0"/>
-              <a:t>	</a:t>
-            </a:r>
-            <a:r>
-              <a:rPr lang="en-US" dirty="0" err="1"/>
-              <a:t>boolean</a:t>
-            </a:r>
-            <a:r>
-              <a:rPr lang="en-US" dirty="0"/>
-              <a:t> b = (‘T’ == ‘F’ );</a:t>
-            </a:r>
-          </a:p>
-          <a:p>
-            <a:endParaRPr lang="en-US" dirty="0"/>
-          </a:p>
-          <a:p>
-            <a:endParaRPr lang="en-US" dirty="0"/>
-          </a:p>
-        </p:txBody>
-      </p:sp>
-    </p:spTree>
-    <p:extLst>
-      <p:ext uri="{BB962C8B-B14F-4D97-AF65-F5344CB8AC3E}">
-        <p14:creationId xmlns:p14="http://schemas.microsoft.com/office/powerpoint/2010/main" val="2313675794"/>
-      </p:ext>
-    </p:extLst>
-  </p:cSld>
-  <p:clrMapOvr>
-    <a:masterClrMapping/>
-  </p:clrMapOvr>
-</p:sld>
-</file>
-
-<file path=ppt/slides/slide5.xml><?xml version="1.0" encoding="utf-8"?>
-<p:sld xmlns:a="http://schemas.openxmlformats.org/drawingml/2006/main" xmlns:r="http://schemas.openxmlformats.org/officeDocument/2006/relationships" xmlns:p="http://schemas.openxmlformats.org/presentationml/2006/main">
-  <p:cSld>
-    <p:spTree>
-      <p:nvGrpSpPr>
-        <p:cNvPr id="1" name=""/>
-        <p:cNvGrpSpPr/>
-        <p:nvPr/>
-      </p:nvGrpSpPr>
-      <p:grpSpPr>
-        <a:xfrm>
-          <a:off x="0" y="0"/>
-          <a:ext cx="0" cy="0"/>
-          <a:chOff x="0" y="0"/>
-          <a:chExt cx="0" cy="0"/>
-        </a:xfrm>
-      </p:grpSpPr>
-      <p:sp>
-        <p:nvSpPr>
           <p:cNvPr id="80" name="Shape 80"/>
           <p:cNvSpPr>
             <a:spLocks noGrp="1"/>
@@ -5834,6 +5623,217 @@
     <p:extLst>
       <p:ext uri="{BB962C8B-B14F-4D97-AF65-F5344CB8AC3E}">
         <p14:creationId xmlns:p14="http://schemas.microsoft.com/office/powerpoint/2010/main" val="386876798"/>
+      </p:ext>
+    </p:extLst>
+  </p:cSld>
+  <p:clrMapOvr>
+    <a:masterClrMapping/>
+  </p:clrMapOvr>
+</p:sld>
+</file>
+
+<file path=ppt/slides/slide5.xml><?xml version="1.0" encoding="utf-8"?>
+<p:sld xmlns:a="http://schemas.openxmlformats.org/drawingml/2006/main" xmlns:r="http://schemas.openxmlformats.org/officeDocument/2006/relationships" xmlns:p="http://schemas.openxmlformats.org/presentationml/2006/main">
+  <p:cSld>
+    <p:spTree>
+      <p:nvGrpSpPr>
+        <p:cNvPr id="1" name=""/>
+        <p:cNvGrpSpPr/>
+        <p:nvPr/>
+      </p:nvGrpSpPr>
+      <p:grpSpPr>
+        <a:xfrm>
+          <a:off x="0" y="0"/>
+          <a:ext cx="0" cy="0"/>
+          <a:chOff x="0" y="0"/>
+          <a:chExt cx="0" cy="0"/>
+        </a:xfrm>
+      </p:grpSpPr>
+      <p:sp>
+        <p:nvSpPr>
+          <p:cNvPr id="2" name="Title 1"/>
+          <p:cNvSpPr>
+            <a:spLocks noGrp="1"/>
+          </p:cNvSpPr>
+          <p:nvPr>
+            <p:ph type="title"/>
+          </p:nvPr>
+        </p:nvSpPr>
+        <p:spPr/>
+        <p:txBody>
+          <a:bodyPr/>
+          <a:lstStyle/>
+          <a:p>
+            <a:r>
+              <a:rPr lang="en-US" dirty="0"/>
+              <a:t>Quick Rule for Comparisons</a:t>
+            </a:r>
+          </a:p>
+        </p:txBody>
+      </p:sp>
+      <p:sp>
+        <p:nvSpPr>
+          <p:cNvPr id="3" name="Text Placeholder 2"/>
+          <p:cNvSpPr>
+            <a:spLocks noGrp="1"/>
+          </p:cNvSpPr>
+          <p:nvPr>
+            <p:ph type="body" idx="1"/>
+          </p:nvPr>
+        </p:nvSpPr>
+        <p:spPr/>
+        <p:txBody>
+          <a:bodyPr>
+            <a:normAutofit lnSpcReduction="10000"/>
+          </a:bodyPr>
+          <a:lstStyle/>
+          <a:p>
+            <a:r>
+              <a:rPr lang="en-US" dirty="0"/>
+              <a:t>Fast rule for now:</a:t>
+            </a:r>
+          </a:p>
+          <a:p>
+            <a:r>
+              <a:rPr lang="en-US" dirty="0"/>
+              <a:t>Use </a:t>
+            </a:r>
+            <a:r>
+              <a:rPr lang="en-US" b="1" u="sng" dirty="0">
+                <a:highlight>
+                  <a:srgbClr val="FFFF00"/>
+                </a:highlight>
+              </a:rPr>
+              <a:t>.equals() </a:t>
+            </a:r>
+            <a:r>
+              <a:rPr lang="en-US" dirty="0"/>
+              <a:t>for comparing Strings</a:t>
+            </a:r>
+          </a:p>
+          <a:p>
+            <a:pPr marL="457200" lvl="1" indent="0">
+              <a:buNone/>
+            </a:pPr>
+            <a:r>
+              <a:rPr lang="en-US" dirty="0"/>
+              <a:t>String alpha = “</a:t>
+            </a:r>
+            <a:r>
+              <a:rPr lang="en-US" dirty="0" err="1"/>
+              <a:t>aaa</a:t>
+            </a:r>
+            <a:r>
+              <a:rPr lang="en-US" dirty="0"/>
+              <a:t>”;</a:t>
+            </a:r>
+          </a:p>
+          <a:p>
+            <a:pPr marL="457200" lvl="1" indent="0">
+              <a:buNone/>
+            </a:pPr>
+            <a:r>
+              <a:rPr lang="en-US" dirty="0"/>
+              <a:t>if (</a:t>
+            </a:r>
+            <a:r>
+              <a:rPr lang="en-US" dirty="0" err="1"/>
+              <a:t>alpha.equals</a:t>
+            </a:r>
+            <a:r>
+              <a:rPr lang="en-US" dirty="0"/>
+              <a:t>(“</a:t>
+            </a:r>
+            <a:r>
+              <a:rPr lang="en-US" dirty="0" err="1"/>
+              <a:t>bbb</a:t>
+            </a:r>
+            <a:r>
+              <a:rPr lang="en-US" dirty="0"/>
+              <a:t>”) {</a:t>
+            </a:r>
+          </a:p>
+          <a:p>
+            <a:pPr marL="457200" lvl="1" indent="0">
+              <a:buNone/>
+            </a:pPr>
+            <a:r>
+              <a:rPr lang="en-US" dirty="0"/>
+              <a:t>	</a:t>
+            </a:r>
+            <a:r>
+              <a:rPr lang="en-US" dirty="0" err="1"/>
+              <a:t>System.out.println</a:t>
+            </a:r>
+            <a:r>
+              <a:rPr lang="en-US" dirty="0"/>
+              <a:t>(“Yes!”)</a:t>
+            </a:r>
+          </a:p>
+          <a:p>
+            <a:pPr marL="457200" lvl="1" indent="0">
+              <a:buNone/>
+            </a:pPr>
+            <a:r>
+              <a:rPr lang="en-US" dirty="0"/>
+              <a:t>} </a:t>
+            </a:r>
+          </a:p>
+          <a:p>
+            <a:pPr marL="457200" lvl="1" indent="0">
+              <a:buNone/>
+            </a:pPr>
+            <a:r>
+              <a:rPr lang="en-US" dirty="0"/>
+              <a:t>Use == for comparing for primitives</a:t>
+            </a:r>
+          </a:p>
+          <a:p>
+            <a:pPr marL="457200" lvl="1" indent="0">
+              <a:buNone/>
+            </a:pPr>
+            <a:r>
+              <a:rPr lang="en-US" dirty="0"/>
+              <a:t>	</a:t>
+            </a:r>
+            <a:r>
+              <a:rPr lang="en-US" dirty="0" err="1"/>
+              <a:t>boolean</a:t>
+            </a:r>
+            <a:r>
+              <a:rPr lang="en-US" dirty="0"/>
+              <a:t> a = (5 == 6);</a:t>
+            </a:r>
+          </a:p>
+          <a:p>
+            <a:pPr marL="457200" lvl="1" indent="0">
+              <a:buNone/>
+            </a:pPr>
+            <a:r>
+              <a:rPr lang="en-US" dirty="0"/>
+              <a:t>	</a:t>
+            </a:r>
+            <a:r>
+              <a:rPr lang="en-US" dirty="0" err="1"/>
+              <a:t>boolean</a:t>
+            </a:r>
+            <a:r>
+              <a:rPr lang="en-US" dirty="0"/>
+              <a:t> b = (‘T’ == ‘F’ );</a:t>
+            </a:r>
+          </a:p>
+          <a:p>
+            <a:endParaRPr lang="en-US" dirty="0"/>
+          </a:p>
+          <a:p>
+            <a:endParaRPr lang="en-US" dirty="0"/>
+          </a:p>
+        </p:txBody>
+      </p:sp>
+    </p:spTree>
+    <p:extLst>
+      <p:ext uri="{BB962C8B-B14F-4D97-AF65-F5344CB8AC3E}">
+        <p14:creationId xmlns:p14="http://schemas.microsoft.com/office/powerpoint/2010/main" val="2313675794"/>
       </p:ext>
     </p:extLst>
   </p:cSld>
@@ -6909,18 +6909,18 @@
 </file>
 
 <file path=customXml/item2.xml><?xml version="1.0" encoding="utf-8"?>
+<p:properties xmlns:p="http://schemas.microsoft.com/office/2006/metadata/properties" xmlns:xsi="http://www.w3.org/2001/XMLSchema-instance" xmlns:pc="http://schemas.microsoft.com/office/infopath/2007/PartnerControls">
+  <documentManagement/>
+</p:properties>
+</file>
+
+<file path=customXml/item3.xml><?xml version="1.0" encoding="utf-8"?>
 <?mso-contentType ?>
 <FormTemplates xmlns="http://schemas.microsoft.com/sharepoint/v3/contenttype/forms">
   <Display>DocumentLibraryForm</Display>
   <Edit>DocumentLibraryForm</Edit>
   <New>DocumentLibraryForm</New>
 </FormTemplates>
-</file>
-
-<file path=customXml/item3.xml><?xml version="1.0" encoding="utf-8"?>
-<p:properties xmlns:p="http://schemas.microsoft.com/office/2006/metadata/properties" xmlns:xsi="http://www.w3.org/2001/XMLSchema-instance" xmlns:pc="http://schemas.microsoft.com/office/infopath/2007/PartnerControls">
-  <documentManagement/>
-</p:properties>
 </file>
 
 <file path=customXml/itemProps1.xml><?xml version="1.0" encoding="utf-8"?>
@@ -6942,14 +6942,6 @@
 </file>
 
 <file path=customXml/itemProps2.xml><?xml version="1.0" encoding="utf-8"?>
-<ds:datastoreItem xmlns:ds="http://schemas.openxmlformats.org/officeDocument/2006/customXml" ds:itemID="{17FAF4A3-64B4-43E8-BB8B-B01EB9ECAC06}">
-  <ds:schemaRefs>
-    <ds:schemaRef ds:uri="http://schemas.microsoft.com/sharepoint/v3/contenttype/forms"/>
-  </ds:schemaRefs>
-</ds:datastoreItem>
-</file>
-
-<file path=customXml/itemProps3.xml><?xml version="1.0" encoding="utf-8"?>
 <ds:datastoreItem xmlns:ds="http://schemas.openxmlformats.org/officeDocument/2006/customXml" ds:itemID="{F4E211C1-CD9D-46C8-BE98-ADF55AECFF6A}">
   <ds:schemaRefs>
     <ds:schemaRef ds:uri="79ddb764-415a-4c38-83b7-908be6382bea"/>
@@ -6963,4 +6955,12 @@
     <ds:schemaRef ds:uri="http://www.w3.org/XML/1998/namespace"/>
   </ds:schemaRefs>
 </ds:datastoreItem>
+</file>
+
+<file path=customXml/itemProps3.xml><?xml version="1.0" encoding="utf-8"?>
+<ds:datastoreItem xmlns:ds="http://schemas.openxmlformats.org/officeDocument/2006/customXml" ds:itemID="{17FAF4A3-64B4-43E8-BB8B-B01EB9ECAC06}">
+  <ds:schemaRefs>
+    <ds:schemaRef ds:uri="http://schemas.microsoft.com/sharepoint/v3/contenttype/forms"/>
+  </ds:schemaRefs>
+</ds:datastoreItem>
 </file>